--- a/.NET Advanced concepts.pptx
+++ b/.NET Advanced concepts.pptx
@@ -5,7 +5,7 @@
     <p:sldMasterId id="2147483648" r:id="rId1"/>
   </p:sldMasterIdLst>
   <p:notesMasterIdLst>
-    <p:notesMasterId r:id="rId46"/>
+    <p:notesMasterId r:id="rId47"/>
   </p:notesMasterIdLst>
   <p:sldIdLst>
     <p:sldId id="256" r:id="rId2"/>
@@ -34,53 +34,54 @@
     <p:sldId id="308" r:id="rId25"/>
     <p:sldId id="309" r:id="rId26"/>
     <p:sldId id="310" r:id="rId27"/>
-    <p:sldId id="312" r:id="rId28"/>
-    <p:sldId id="313" r:id="rId29"/>
-    <p:sldId id="314" r:id="rId30"/>
-    <p:sldId id="315" r:id="rId31"/>
-    <p:sldId id="316" r:id="rId32"/>
-    <p:sldId id="317" r:id="rId33"/>
-    <p:sldId id="318" r:id="rId34"/>
-    <p:sldId id="319" r:id="rId35"/>
-    <p:sldId id="320" r:id="rId36"/>
-    <p:sldId id="321" r:id="rId37"/>
-    <p:sldId id="322" r:id="rId38"/>
-    <p:sldId id="323" r:id="rId39"/>
-    <p:sldId id="324" r:id="rId40"/>
-    <p:sldId id="325" r:id="rId41"/>
-    <p:sldId id="326" r:id="rId42"/>
-    <p:sldId id="327" r:id="rId43"/>
-    <p:sldId id="328" r:id="rId44"/>
-    <p:sldId id="287" r:id="rId45"/>
+    <p:sldId id="311" r:id="rId28"/>
+    <p:sldId id="312" r:id="rId29"/>
+    <p:sldId id="313" r:id="rId30"/>
+    <p:sldId id="314" r:id="rId31"/>
+    <p:sldId id="315" r:id="rId32"/>
+    <p:sldId id="316" r:id="rId33"/>
+    <p:sldId id="317" r:id="rId34"/>
+    <p:sldId id="318" r:id="rId35"/>
+    <p:sldId id="319" r:id="rId36"/>
+    <p:sldId id="320" r:id="rId37"/>
+    <p:sldId id="321" r:id="rId38"/>
+    <p:sldId id="322" r:id="rId39"/>
+    <p:sldId id="323" r:id="rId40"/>
+    <p:sldId id="324" r:id="rId41"/>
+    <p:sldId id="325" r:id="rId42"/>
+    <p:sldId id="326" r:id="rId43"/>
+    <p:sldId id="327" r:id="rId44"/>
+    <p:sldId id="328" r:id="rId45"/>
+    <p:sldId id="287" r:id="rId46"/>
   </p:sldIdLst>
   <p:sldSz cx="12192000" cy="6858000"/>
   <p:notesSz cx="6858000" cy="9144000"/>
   <p:embeddedFontLst>
     <p:embeddedFont>
       <p:font typeface="Calibri" panose="020F0502020204030204" pitchFamily="34" charset="0"/>
-      <p:regular r:id="rId47"/>
-      <p:bold r:id="rId48"/>
-      <p:italic r:id="rId49"/>
-      <p:boldItalic r:id="rId50"/>
+      <p:regular r:id="rId48"/>
+      <p:bold r:id="rId49"/>
+      <p:italic r:id="rId50"/>
+      <p:boldItalic r:id="rId51"/>
     </p:embeddedFont>
     <p:embeddedFont>
       <p:font typeface="Consolas" panose="020B0609020204030204" pitchFamily="49" charset="0"/>
-      <p:regular r:id="rId51"/>
-      <p:bold r:id="rId52"/>
-      <p:italic r:id="rId53"/>
-      <p:boldItalic r:id="rId54"/>
+      <p:regular r:id="rId52"/>
+      <p:bold r:id="rId53"/>
+      <p:italic r:id="rId54"/>
+      <p:boldItalic r:id="rId55"/>
     </p:embeddedFont>
     <p:embeddedFont>
       <p:font typeface="Noto Sans Symbols" pitchFamily="2" charset="0"/>
-      <p:regular r:id="rId55"/>
-      <p:bold r:id="rId56"/>
+      <p:regular r:id="rId56"/>
+      <p:bold r:id="rId57"/>
     </p:embeddedFont>
     <p:embeddedFont>
       <p:font typeface="Trebuchet MS" panose="020B0603020202020204" pitchFamily="34" charset="0"/>
-      <p:regular r:id="rId57"/>
-      <p:bold r:id="rId58"/>
-      <p:italic r:id="rId59"/>
-      <p:boldItalic r:id="rId60"/>
+      <p:regular r:id="rId58"/>
+      <p:bold r:id="rId59"/>
+      <p:italic r:id="rId60"/>
+      <p:boldItalic r:id="rId61"/>
     </p:embeddedFont>
   </p:embeddedFontLst>
   <p:defaultTextStyle>
@@ -317,7 +318,7 @@
       <p15:sldGuideLst xmlns:p15="http://schemas.microsoft.com/office/powerpoint/2012/main"/>
     </p:ext>
     <p:ext uri="http://customooxmlschemas.google.com/">
-      <go:slidesCustomData xmlns:go="http://customooxmlschemas.google.com/" xmlns:p15="http://schemas.microsoft.com/office/powerpoint/2012/main" xmlns:p14="http://schemas.microsoft.com/office/powerpoint/2010/main" xmlns:com="http://schemas.openxmlformats.org/drawingml/2006/compatibility" xmlns:pvml="urn:schemas-microsoft-com:office:powerpoint" xmlns:v="urn:schemas-microsoft-com:vml" xmlns:o="urn:schemas-microsoft-com:office:office" xmlns:dgm="http://schemas.openxmlformats.org/drawingml/2006/diagram" xmlns:c="http://schemas.openxmlformats.org/drawingml/2006/chart" xmlns:mv="urn:schemas-microsoft-com:mac:vml" xmlns:mc="http://schemas.openxmlformats.org/markup-compatibility/2006" xmlns="" r:id="rId62" roundtripDataSignature="AMtx7mi/vjytJZ0Cs1iuOXKCFIAxlEMbnQ=="/>
+      <go:slidesCustomData xmlns="" xmlns:mc="http://schemas.openxmlformats.org/markup-compatibility/2006" xmlns:mv="urn:schemas-microsoft-com:mac:vml" xmlns:c="http://schemas.openxmlformats.org/drawingml/2006/chart" xmlns:dgm="http://schemas.openxmlformats.org/drawingml/2006/diagram" xmlns:o="urn:schemas-microsoft-com:office:office" xmlns:v="urn:schemas-microsoft-com:vml" xmlns:pvml="urn:schemas-microsoft-com:office:powerpoint" xmlns:com="http://schemas.openxmlformats.org/drawingml/2006/compatibility" xmlns:p14="http://schemas.microsoft.com/office/powerpoint/2010/main" xmlns:p15="http://schemas.microsoft.com/office/powerpoint/2012/main" xmlns:go="http://customooxmlschemas.google.com/" r:id="rId62" roundtripDataSignature="AMtx7mi/vjytJZ0Cs1iuOXKCFIAxlEMbnQ=="/>
     </p:ext>
   </p:extLst>
 </p:presentation>
@@ -325,22 +326,6 @@
 
 <file path=ppt/changesInfos/changesInfo1.xml><?xml version="1.0" encoding="utf-8"?>
 <pc:chgInfo xmlns:a="http://schemas.openxmlformats.org/drawingml/2006/main" xmlns:r="http://schemas.openxmlformats.org/officeDocument/2006/relationships" xmlns:ac="http://schemas.microsoft.com/office/drawing/2013/main/command" xmlns:pc="http://schemas.microsoft.com/office/powerpoint/2013/main/command">
-  <pc:docChgLst>
-    <pc:chgData name="Gino Leonardi - External" userId="1ea455bc-ae41-4bd7-ab03-fc2fab392b66" providerId="ADAL" clId="{72855CC0-7357-4EE0-8E4C-A85A27871EA1}"/>
-    <pc:docChg chg="delSld">
-      <pc:chgData name="Gino Leonardi - External" userId="1ea455bc-ae41-4bd7-ab03-fc2fab392b66" providerId="ADAL" clId="{72855CC0-7357-4EE0-8E4C-A85A27871EA1}" dt="2023-04-26T14:42:59.804" v="0" actId="2696"/>
-      <pc:docMkLst>
-        <pc:docMk/>
-      </pc:docMkLst>
-      <pc:sldChg chg="del">
-        <pc:chgData name="Gino Leonardi - External" userId="1ea455bc-ae41-4bd7-ab03-fc2fab392b66" providerId="ADAL" clId="{72855CC0-7357-4EE0-8E4C-A85A27871EA1}" dt="2023-04-26T14:42:59.804" v="0" actId="2696"/>
-        <pc:sldMkLst>
-          <pc:docMk/>
-          <pc:sldMk cId="3217052197" sldId="311"/>
-        </pc:sldMkLst>
-      </pc:sldChg>
-    </pc:docChg>
-  </pc:docChgLst>
   <pc:docChgLst>
     <pc:chgData name="Gino Leonardi - External" userId="1ea455bc-ae41-4bd7-ab03-fc2fab392b66" providerId="ADAL" clId="{B2FDC5A7-2E23-43E5-9A94-9CA38C966E4D}"/>
     <pc:docChg chg="undo custSel modSld">
@@ -25122,6 +25107,489 @@
           <p:cNvPr id="2" name="Title 1">
             <a:extLst>
               <a:ext uri="{FF2B5EF4-FFF2-40B4-BE49-F238E27FC236}">
+                <a16:creationId xmlns:a16="http://schemas.microsoft.com/office/drawing/2014/main" id="{600AAF15-329C-7E66-3731-EB06943FCAF5}"/>
+              </a:ext>
+            </a:extLst>
+          </p:cNvPr>
+          <p:cNvSpPr>
+            <a:spLocks noGrp="1"/>
+          </p:cNvSpPr>
+          <p:nvPr>
+            <p:ph type="title"/>
+          </p:nvPr>
+        </p:nvSpPr>
+        <p:spPr/>
+        <p:txBody>
+          <a:bodyPr/>
+          <a:lstStyle/>
+          <a:p>
+            <a:r>
+              <a:rPr lang="it-IT" dirty="0"/>
+              <a:t>Design Pattern – Esempi Pratici			</a:t>
+            </a:r>
+            <a:endParaRPr lang="en-US" dirty="0"/>
+          </a:p>
+        </p:txBody>
+      </p:sp>
+      <p:sp>
+        <p:nvSpPr>
+          <p:cNvPr id="3" name="Text Placeholder 2">
+            <a:extLst>
+              <a:ext uri="{FF2B5EF4-FFF2-40B4-BE49-F238E27FC236}">
+                <a16:creationId xmlns:a16="http://schemas.microsoft.com/office/drawing/2014/main" id="{39BD5A56-EB50-D8A4-CF03-A7DAADCC12B0}"/>
+              </a:ext>
+            </a:extLst>
+          </p:cNvPr>
+          <p:cNvSpPr>
+            <a:spLocks noGrp="1"/>
+          </p:cNvSpPr>
+          <p:nvPr>
+            <p:ph type="body" idx="1"/>
+          </p:nvPr>
+        </p:nvSpPr>
+        <p:spPr>
+          <a:xfrm>
+            <a:off x="677334" y="1571625"/>
+            <a:ext cx="8596668" cy="4469737"/>
+          </a:xfrm>
+        </p:spPr>
+        <p:txBody>
+          <a:bodyPr>
+            <a:normAutofit fontScale="55000" lnSpcReduction="20000"/>
+          </a:bodyPr>
+          <a:lstStyle/>
+          <a:p>
+            <a:r>
+              <a:rPr lang="it-IT" dirty="0"/>
+              <a:t>…ed ora tocca a voi… :-D</a:t>
+            </a:r>
+          </a:p>
+          <a:p>
+            <a:pPr algn="l"/>
+            <a:endParaRPr lang="en-US" sz="1800" b="0" i="0" u="none" strike="noStrike" baseline="0" dirty="0">
+              <a:solidFill>
+                <a:srgbClr val="000000"/>
+              </a:solidFill>
+              <a:latin typeface="Trebuchet MS" panose="020B0603020202020204" pitchFamily="34" charset="0"/>
+            </a:endParaRPr>
+          </a:p>
+          <a:p>
+            <a:pPr marL="137160" indent="0">
+              <a:buNone/>
+            </a:pPr>
+            <a:r>
+              <a:rPr lang="it-IT" sz="1800" b="1" i="0" u="none" strike="noStrike" baseline="0" dirty="0" err="1">
+                <a:solidFill>
+                  <a:srgbClr val="404040"/>
+                </a:solidFill>
+                <a:latin typeface="Trebuchet MS" panose="020B0603020202020204" pitchFamily="34" charset="0"/>
+              </a:rPr>
+              <a:t>Esercizo</a:t>
+            </a:r>
+            <a:r>
+              <a:rPr lang="it-IT" sz="1800" b="1" i="0" u="none" strike="noStrike" baseline="0" dirty="0">
+                <a:solidFill>
+                  <a:srgbClr val="404040"/>
+                </a:solidFill>
+                <a:latin typeface="Trebuchet MS" panose="020B0603020202020204" pitchFamily="34" charset="0"/>
+              </a:rPr>
+              <a:t> proposto: l</a:t>
+            </a:r>
+            <a:r>
+              <a:rPr lang="it-IT" sz="1800" b="0" i="0" u="none" strike="noStrike" baseline="0" dirty="0">
+                <a:solidFill>
+                  <a:srgbClr val="404040"/>
+                </a:solidFill>
+                <a:latin typeface="Trebuchet MS" panose="020B0603020202020204" pitchFamily="34" charset="0"/>
+              </a:rPr>
+              <a:t>a nota pizzeria </a:t>
+            </a:r>
+            <a:r>
+              <a:rPr lang="it-IT" sz="1800" b="0" i="0" u="none" strike="noStrike" baseline="0" dirty="0" err="1">
+                <a:solidFill>
+                  <a:srgbClr val="404040"/>
+                </a:solidFill>
+                <a:latin typeface="Trebuchet MS" panose="020B0603020202020204" pitchFamily="34" charset="0"/>
+              </a:rPr>
+              <a:t>Sdomino</a:t>
+            </a:r>
+            <a:r>
+              <a:rPr lang="it-IT" sz="1800" b="0" i="0" u="none" strike="noStrike" baseline="0" dirty="0">
+                <a:solidFill>
+                  <a:srgbClr val="404040"/>
+                </a:solidFill>
+                <a:latin typeface="Trebuchet MS" panose="020B0603020202020204" pitchFamily="34" charset="0"/>
+              </a:rPr>
+              <a:t> vuole automatizzare il processo di ordinazione pizze e chiede a voi di realizzare un software che gestisca gli ordini in arrivo. In particolare:</a:t>
+            </a:r>
+          </a:p>
+          <a:p>
+            <a:pPr marL="137160" indent="0">
+              <a:buNone/>
+            </a:pPr>
+            <a:r>
+              <a:rPr lang="it-IT" sz="1800" b="0" i="0" u="none" strike="noStrike" baseline="0" dirty="0">
+                <a:solidFill>
+                  <a:srgbClr val="404040"/>
+                </a:solidFill>
+                <a:latin typeface="Trebuchet MS" panose="020B0603020202020204" pitchFamily="34" charset="0"/>
+              </a:rPr>
+              <a:t>-Le ordinazioni arrivano tramite file CSV, ogni riga contiene una pizza ordinata, nel seguente formato:</a:t>
+            </a:r>
+          </a:p>
+          <a:p>
+            <a:pPr marL="137160" indent="0">
+              <a:buNone/>
+            </a:pPr>
+            <a:r>
+              <a:rPr lang="en-US" sz="1800" b="0" i="0" u="none" strike="noStrike" baseline="0" dirty="0" err="1">
+                <a:solidFill>
+                  <a:srgbClr val="404040"/>
+                </a:solidFill>
+                <a:latin typeface="Trebuchet MS" panose="020B0603020202020204" pitchFamily="34" charset="0"/>
+              </a:rPr>
+              <a:t>BasePizza</a:t>
+            </a:r>
+            <a:r>
+              <a:rPr lang="en-US" sz="1800" b="0" i="0" u="none" strike="noStrike" baseline="0" dirty="0">
+                <a:solidFill>
+                  <a:srgbClr val="404040"/>
+                </a:solidFill>
+                <a:latin typeface="Trebuchet MS" panose="020B0603020202020204" pitchFamily="34" charset="0"/>
+              </a:rPr>
+              <a:t>; </a:t>
+            </a:r>
+            <a:r>
+              <a:rPr lang="en-US" sz="1800" b="0" i="0" u="none" strike="noStrike" baseline="0" dirty="0" err="1">
+                <a:solidFill>
+                  <a:srgbClr val="404040"/>
+                </a:solidFill>
+                <a:latin typeface="Trebuchet MS" panose="020B0603020202020204" pitchFamily="34" charset="0"/>
+              </a:rPr>
+              <a:t>Impasto;Aggiunte</a:t>
+            </a:r>
+            <a:endParaRPr lang="en-US" sz="1800" b="0" i="0" u="none" strike="noStrike" baseline="0" dirty="0">
+              <a:solidFill>
+                <a:srgbClr val="404040"/>
+              </a:solidFill>
+              <a:latin typeface="Trebuchet MS" panose="020B0603020202020204" pitchFamily="34" charset="0"/>
+            </a:endParaRPr>
+          </a:p>
+          <a:p>
+            <a:pPr marL="137160" indent="0">
+              <a:buNone/>
+            </a:pPr>
+            <a:r>
+              <a:rPr lang="it-IT" sz="1800" b="1" i="0" u="none" strike="noStrike" baseline="0">
+                <a:solidFill>
+                  <a:srgbClr val="404040"/>
+                </a:solidFill>
+                <a:latin typeface="Trebuchet MS" panose="020B0603020202020204" pitchFamily="34" charset="0"/>
+              </a:rPr>
+              <a:t>Esempio: </a:t>
+            </a:r>
+            <a:r>
+              <a:rPr lang="it-IT" sz="1800" b="0" i="0" u="none" strike="noStrike" baseline="0">
+                <a:solidFill>
+                  <a:srgbClr val="404040"/>
+                </a:solidFill>
+                <a:latin typeface="Trebuchet MS" panose="020B0603020202020204" pitchFamily="34" charset="0"/>
+              </a:rPr>
+              <a:t>«</a:t>
+            </a:r>
+            <a:r>
+              <a:rPr lang="it-IT" sz="1800" b="0" i="0" u="none" strike="noStrike" baseline="0" dirty="0" err="1">
+                <a:solidFill>
+                  <a:srgbClr val="404040"/>
+                </a:solidFill>
+                <a:latin typeface="Trebuchet MS" panose="020B0603020202020204" pitchFamily="34" charset="0"/>
+              </a:rPr>
+              <a:t>Margherita;Integrale;ProsciuttoCotto,Funghi</a:t>
+            </a:r>
+            <a:r>
+              <a:rPr lang="it-IT" sz="1800" b="0" i="0" u="none" strike="noStrike" baseline="0" dirty="0">
+                <a:solidFill>
+                  <a:srgbClr val="404040"/>
+                </a:solidFill>
+                <a:latin typeface="Trebuchet MS" panose="020B0603020202020204" pitchFamily="34" charset="0"/>
+              </a:rPr>
+              <a:t>»</a:t>
+            </a:r>
+          </a:p>
+          <a:p>
+            <a:pPr marL="137160" indent="0">
+              <a:buNone/>
+            </a:pPr>
+            <a:r>
+              <a:rPr lang="en-US" sz="1800" b="0" i="0" u="none" strike="noStrike" baseline="0" dirty="0">
+                <a:solidFill>
+                  <a:srgbClr val="404040"/>
+                </a:solidFill>
+                <a:latin typeface="Trebuchet MS" panose="020B0603020202020204" pitchFamily="34" charset="0"/>
+              </a:rPr>
+              <a:t>Dove:</a:t>
+            </a:r>
+          </a:p>
+          <a:p>
+            <a:pPr marL="137160" indent="0">
+              <a:buNone/>
+            </a:pPr>
+            <a:r>
+              <a:rPr lang="it-IT" sz="1800" b="0" i="0" u="none" strike="noStrike" baseline="0" dirty="0">
+                <a:solidFill>
+                  <a:srgbClr val="404040"/>
+                </a:solidFill>
+                <a:latin typeface="Trebuchet MS" panose="020B0603020202020204" pitchFamily="34" charset="0"/>
+              </a:rPr>
+              <a:t>Base pizza può avere i seguenti valori: </a:t>
+            </a:r>
+            <a:r>
+              <a:rPr lang="it-IT" sz="1800" b="0" i="1" u="none" strike="noStrike" baseline="0" dirty="0">
+                <a:solidFill>
+                  <a:srgbClr val="404040"/>
+                </a:solidFill>
+                <a:latin typeface="Trebuchet MS" panose="020B0603020202020204" pitchFamily="34" charset="0"/>
+              </a:rPr>
+              <a:t>Bianca (5€)</a:t>
+            </a:r>
+            <a:r>
+              <a:rPr lang="it-IT" sz="1800" b="0" i="0" u="none" strike="noStrike" baseline="0" dirty="0">
+                <a:solidFill>
+                  <a:srgbClr val="404040"/>
+                </a:solidFill>
+                <a:latin typeface="Trebuchet MS" panose="020B0603020202020204" pitchFamily="34" charset="0"/>
+              </a:rPr>
+              <a:t>,</a:t>
+            </a:r>
+            <a:r>
+              <a:rPr lang="it-IT" sz="1800" b="0" i="1" u="none" strike="noStrike" baseline="0" dirty="0">
+                <a:solidFill>
+                  <a:srgbClr val="404040"/>
+                </a:solidFill>
+                <a:latin typeface="Trebuchet MS" panose="020B0603020202020204" pitchFamily="34" charset="0"/>
+              </a:rPr>
+              <a:t>Margherita(7€)</a:t>
+            </a:r>
+            <a:r>
+              <a:rPr lang="it-IT" sz="1800" b="0" i="0" u="none" strike="noStrike" baseline="0" dirty="0">
+                <a:solidFill>
+                  <a:srgbClr val="404040"/>
+                </a:solidFill>
+                <a:latin typeface="Trebuchet MS" panose="020B0603020202020204" pitchFamily="34" charset="0"/>
+              </a:rPr>
+              <a:t>,</a:t>
+            </a:r>
+            <a:r>
+              <a:rPr lang="it-IT" sz="1800" b="0" i="1" u="none" strike="noStrike" baseline="0" dirty="0">
+                <a:solidFill>
+                  <a:srgbClr val="404040"/>
+                </a:solidFill>
+                <a:latin typeface="Trebuchet MS" panose="020B0603020202020204" pitchFamily="34" charset="0"/>
+              </a:rPr>
+              <a:t>Napoletana(3€)</a:t>
+            </a:r>
+            <a:endParaRPr lang="it-IT" sz="1800" b="0" i="0" u="none" strike="noStrike" baseline="0" dirty="0">
+              <a:solidFill>
+                <a:srgbClr val="404040"/>
+              </a:solidFill>
+              <a:latin typeface="Trebuchet MS" panose="020B0603020202020204" pitchFamily="34" charset="0"/>
+            </a:endParaRPr>
+          </a:p>
+          <a:p>
+            <a:pPr marL="137160" indent="0">
+              <a:buNone/>
+            </a:pPr>
+            <a:r>
+              <a:rPr lang="it-IT" sz="1800" b="0" i="0" u="none" strike="noStrike" baseline="0" dirty="0">
+                <a:solidFill>
+                  <a:srgbClr val="404040"/>
+                </a:solidFill>
+                <a:latin typeface="Trebuchet MS" panose="020B0603020202020204" pitchFamily="34" charset="0"/>
+              </a:rPr>
+              <a:t>Impasto: normale (0€), integrale (+1€)</a:t>
+            </a:r>
+          </a:p>
+          <a:p>
+            <a:pPr marL="137160" indent="0">
+              <a:buNone/>
+            </a:pPr>
+            <a:r>
+              <a:rPr lang="it-IT" sz="1800" b="0" i="0" u="none" strike="noStrike" baseline="0" dirty="0">
+                <a:solidFill>
+                  <a:srgbClr val="404040"/>
+                </a:solidFill>
+                <a:latin typeface="Trebuchet MS" panose="020B0603020202020204" pitchFamily="34" charset="0"/>
+              </a:rPr>
+              <a:t>Le aggiunte possono essere più di una, separati da «,» e sono: Prosciutto cotto (+1€), Funghi (+2€), Prosciutto Crudo (2€), Ananas (!!)</a:t>
+            </a:r>
+          </a:p>
+          <a:p>
+            <a:pPr marL="137160" indent="0">
+              <a:buNone/>
+            </a:pPr>
+            <a:r>
+              <a:rPr lang="it-IT" sz="1800" b="0" i="0" u="none" strike="noStrike" baseline="0" dirty="0">
+                <a:solidFill>
+                  <a:srgbClr val="404040"/>
+                </a:solidFill>
+                <a:latin typeface="Trebuchet MS" panose="020B0603020202020204" pitchFamily="34" charset="0"/>
+              </a:rPr>
+              <a:t>Lo scopo del software è:</a:t>
+            </a:r>
+          </a:p>
+          <a:p>
+            <a:pPr marL="137160" indent="0">
+              <a:buNone/>
+            </a:pPr>
+            <a:r>
+              <a:rPr lang="it-IT" sz="1800" b="0" i="0" u="none" strike="noStrike" baseline="0" dirty="0">
+                <a:solidFill>
+                  <a:srgbClr val="404040"/>
+                </a:solidFill>
+                <a:latin typeface="Trebuchet MS" panose="020B0603020202020204" pitchFamily="34" charset="0"/>
+              </a:rPr>
+              <a:t>-All’avvio leggere tutti gli ordini presenti e per ognuno di essi creare uno scontrino (ogni scontrino deve avere un identificativo progressivo) con il prezzo totale dell’ordine </a:t>
+            </a:r>
+          </a:p>
+          <a:p>
+            <a:pPr marL="137160" indent="0">
+              <a:buNone/>
+            </a:pPr>
+            <a:r>
+              <a:rPr lang="it-IT" sz="1800" b="1" i="0" u="none" strike="noStrike" baseline="0" dirty="0">
+                <a:solidFill>
+                  <a:srgbClr val="404040"/>
+                </a:solidFill>
+                <a:latin typeface="Trebuchet MS" panose="020B0603020202020204" pitchFamily="34" charset="0"/>
+              </a:rPr>
+              <a:t>Attenzione: se una pizza contiene l’aggiunta Ananas allora la pizza è GRATIS!</a:t>
+            </a:r>
+            <a:endParaRPr lang="it-IT" sz="1800" b="0" i="0" u="none" strike="noStrike" baseline="0" dirty="0">
+              <a:solidFill>
+                <a:srgbClr val="404040"/>
+              </a:solidFill>
+              <a:latin typeface="Trebuchet MS" panose="020B0603020202020204" pitchFamily="34" charset="0"/>
+            </a:endParaRPr>
+          </a:p>
+          <a:p>
+            <a:pPr marL="137160" indent="0">
+              <a:buNone/>
+            </a:pPr>
+            <a:r>
+              <a:rPr lang="it-IT" sz="1800" b="0" i="0" u="none" strike="noStrike" baseline="0" dirty="0">
+                <a:solidFill>
+                  <a:srgbClr val="404040"/>
+                </a:solidFill>
+                <a:latin typeface="Trebuchet MS" panose="020B0603020202020204" pitchFamily="34" charset="0"/>
+              </a:rPr>
+              <a:t>-Loggare lo scontrino su file, inserire l’ordine e lo scontrino a DB in modo che siano consultabili (OVVIAMENTE ORDINE E SCONTRINO DEVONO ESSERE RELAZIONATI)</a:t>
+            </a:r>
+          </a:p>
+          <a:p>
+            <a:pPr marL="137160" indent="0">
+              <a:buNone/>
+            </a:pPr>
+            <a:r>
+              <a:rPr lang="it-IT" sz="1800" b="1" i="0" u="none" strike="noStrike" baseline="0" dirty="0">
+                <a:solidFill>
+                  <a:srgbClr val="404040"/>
+                </a:solidFill>
+                <a:latin typeface="Trebuchet MS" panose="020B0603020202020204" pitchFamily="34" charset="0"/>
+              </a:rPr>
+              <a:t>Obbligo: </a:t>
+            </a:r>
+            <a:r>
+              <a:rPr lang="it-IT" sz="1800" b="0" i="0" u="none" strike="noStrike" baseline="0" dirty="0">
+                <a:solidFill>
+                  <a:srgbClr val="404040"/>
+                </a:solidFill>
+                <a:latin typeface="Trebuchet MS" panose="020B0603020202020204" pitchFamily="34" charset="0"/>
+              </a:rPr>
+              <a:t>lo scopo dell’esercizio è utilizzare al meglio i design pattern!!</a:t>
+            </a:r>
+            <a:endParaRPr lang="en-US" dirty="0"/>
+          </a:p>
+          <a:p>
+            <a:pPr marL="137160" indent="0">
+              <a:buNone/>
+            </a:pPr>
+            <a:endParaRPr lang="it-IT" dirty="0"/>
+          </a:p>
+        </p:txBody>
+      </p:sp>
+      <p:sp>
+        <p:nvSpPr>
+          <p:cNvPr id="4" name="Slide Number Placeholder 3">
+            <a:extLst>
+              <a:ext uri="{FF2B5EF4-FFF2-40B4-BE49-F238E27FC236}">
+                <a16:creationId xmlns:a16="http://schemas.microsoft.com/office/drawing/2014/main" id="{A6AFD9BA-9622-1BB2-1D9A-D63C567647D1}"/>
+              </a:ext>
+            </a:extLst>
+          </p:cNvPr>
+          <p:cNvSpPr>
+            <a:spLocks noGrp="1"/>
+          </p:cNvSpPr>
+          <p:nvPr>
+            <p:ph type="sldNum" idx="12"/>
+          </p:nvPr>
+        </p:nvSpPr>
+        <p:spPr/>
+        <p:txBody>
+          <a:bodyPr/>
+          <a:lstStyle/>
+          <a:p>
+            <a:pPr marL="0" lvl="0" indent="0" algn="r" rtl="0">
+              <a:spcBef>
+                <a:spcPts val="0"/>
+              </a:spcBef>
+              <a:spcAft>
+                <a:spcPts val="0"/>
+              </a:spcAft>
+              <a:buNone/>
+            </a:pPr>
+            <a:fld id="{00000000-1234-1234-1234-123412341234}" type="slidenum">
+              <a:rPr lang="it-IT" smtClean="0"/>
+              <a:t>27</a:t>
+            </a:fld>
+            <a:endParaRPr lang="it-IT"/>
+          </a:p>
+        </p:txBody>
+      </p:sp>
+    </p:spTree>
+    <p:extLst>
+      <p:ext uri="{BB962C8B-B14F-4D97-AF65-F5344CB8AC3E}">
+        <p14:creationId xmlns:p14="http://schemas.microsoft.com/office/powerpoint/2010/main" val="3217052197"/>
+      </p:ext>
+    </p:extLst>
+  </p:cSld>
+  <p:clrMapOvr>
+    <a:masterClrMapping/>
+  </p:clrMapOvr>
+</p:sld>
+</file>
+
+<file path=ppt/slides/slide28.xml><?xml version="1.0" encoding="utf-8"?>
+<p:sld xmlns:a="http://schemas.openxmlformats.org/drawingml/2006/main" xmlns:r="http://schemas.openxmlformats.org/officeDocument/2006/relationships" xmlns:p="http://schemas.openxmlformats.org/presentationml/2006/main">
+  <p:cSld>
+    <p:spTree>
+      <p:nvGrpSpPr>
+        <p:cNvPr id="1" name=""/>
+        <p:cNvGrpSpPr/>
+        <p:nvPr/>
+      </p:nvGrpSpPr>
+      <p:grpSpPr>
+        <a:xfrm>
+          <a:off x="0" y="0"/>
+          <a:ext cx="0" cy="0"/>
+          <a:chOff x="0" y="0"/>
+          <a:chExt cx="0" cy="0"/>
+        </a:xfrm>
+      </p:grpSpPr>
+      <p:sp>
+        <p:nvSpPr>
+          <p:cNvPr id="2" name="Title 1">
+            <a:extLst>
+              <a:ext uri="{FF2B5EF4-FFF2-40B4-BE49-F238E27FC236}">
                 <a16:creationId xmlns:a16="http://schemas.microsoft.com/office/drawing/2014/main" id="{5289308B-A6C0-DF90-EC80-364549A1C897}"/>
               </a:ext>
             </a:extLst>
@@ -25412,7 +25880,7 @@
             </a:pPr>
             <a:fld id="{00000000-1234-1234-1234-123412341234}" type="slidenum">
               <a:rPr lang="it-IT" smtClean="0"/>
-              <a:t>27</a:t>
+              <a:t>28</a:t>
             </a:fld>
             <a:endParaRPr lang="it-IT"/>
           </a:p>
@@ -25431,7 +25899,7 @@
 </p:sld>
 </file>
 
-<file path=ppt/slides/slide28.xml><?xml version="1.0" encoding="utf-8"?>
+<file path=ppt/slides/slide29.xml><?xml version="1.0" encoding="utf-8"?>
 <p:sld xmlns:a="http://schemas.openxmlformats.org/drawingml/2006/main" xmlns:r="http://schemas.openxmlformats.org/officeDocument/2006/relationships" xmlns:p="http://schemas.openxmlformats.org/presentationml/2006/main">
   <p:cSld>
     <p:spTree>
@@ -25661,7 +26129,7 @@
             </a:pPr>
             <a:fld id="{00000000-1234-1234-1234-123412341234}" type="slidenum">
               <a:rPr lang="it-IT" smtClean="0"/>
-              <a:t>28</a:t>
+              <a:t>29</a:t>
             </a:fld>
             <a:endParaRPr lang="it-IT"/>
           </a:p>
@@ -25671,148 +26139,6 @@
     <p:extLst>
       <p:ext uri="{BB962C8B-B14F-4D97-AF65-F5344CB8AC3E}">
         <p14:creationId xmlns:p14="http://schemas.microsoft.com/office/powerpoint/2010/main" val="2820187810"/>
-      </p:ext>
-    </p:extLst>
-  </p:cSld>
-  <p:clrMapOvr>
-    <a:masterClrMapping/>
-  </p:clrMapOvr>
-</p:sld>
-</file>
-
-<file path=ppt/slides/slide29.xml><?xml version="1.0" encoding="utf-8"?>
-<p:sld xmlns:a="http://schemas.openxmlformats.org/drawingml/2006/main" xmlns:r="http://schemas.openxmlformats.org/officeDocument/2006/relationships" xmlns:p="http://schemas.openxmlformats.org/presentationml/2006/main">
-  <p:cSld>
-    <p:spTree>
-      <p:nvGrpSpPr>
-        <p:cNvPr id="1" name=""/>
-        <p:cNvGrpSpPr/>
-        <p:nvPr/>
-      </p:nvGrpSpPr>
-      <p:grpSpPr>
-        <a:xfrm>
-          <a:off x="0" y="0"/>
-          <a:ext cx="0" cy="0"/>
-          <a:chOff x="0" y="0"/>
-          <a:chExt cx="0" cy="0"/>
-        </a:xfrm>
-      </p:grpSpPr>
-      <p:sp>
-        <p:nvSpPr>
-          <p:cNvPr id="2" name="Title 1">
-            <a:extLst>
-              <a:ext uri="{FF2B5EF4-FFF2-40B4-BE49-F238E27FC236}">
-                <a16:creationId xmlns:a16="http://schemas.microsoft.com/office/drawing/2014/main" id="{22B0DFDE-6FDD-7CD7-A00C-25B2AB409981}"/>
-              </a:ext>
-            </a:extLst>
-          </p:cNvPr>
-          <p:cNvSpPr>
-            <a:spLocks noGrp="1"/>
-          </p:cNvSpPr>
-          <p:nvPr>
-            <p:ph type="title"/>
-          </p:nvPr>
-        </p:nvSpPr>
-        <p:spPr/>
-        <p:txBody>
-          <a:bodyPr>
-            <a:normAutofit/>
-          </a:bodyPr>
-          <a:lstStyle/>
-          <a:p>
-            <a:br>
-              <a:rPr lang="en-US" sz="1800" b="0" i="0" u="none" strike="noStrike" baseline="0" dirty="0">
-                <a:solidFill>
-                  <a:srgbClr val="000000"/>
-                </a:solidFill>
-                <a:latin typeface="Trebuchet MS" panose="020B0603020202020204" pitchFamily="34" charset="0"/>
-              </a:rPr>
-            </a:br>
-            <a:r>
-              <a:rPr lang="it-IT" sz="1800" b="0" i="0" u="none" strike="noStrike" baseline="0" dirty="0">
-                <a:solidFill>
-                  <a:srgbClr val="0E6EC5"/>
-                </a:solidFill>
-                <a:latin typeface="Trebuchet MS" panose="020B0603020202020204" pitchFamily="34" charset="0"/>
-              </a:rPr>
-              <a:t>S.O.L.I.D. –I cinque principi</a:t>
-            </a:r>
-            <a:endParaRPr lang="en-US" dirty="0"/>
-          </a:p>
-        </p:txBody>
-      </p:sp>
-      <p:sp>
-        <p:nvSpPr>
-          <p:cNvPr id="4" name="Slide Number Placeholder 3">
-            <a:extLst>
-              <a:ext uri="{FF2B5EF4-FFF2-40B4-BE49-F238E27FC236}">
-                <a16:creationId xmlns:a16="http://schemas.microsoft.com/office/drawing/2014/main" id="{74DEB245-EA7D-0AC0-6FE9-9A827240F55B}"/>
-              </a:ext>
-            </a:extLst>
-          </p:cNvPr>
-          <p:cNvSpPr>
-            <a:spLocks noGrp="1"/>
-          </p:cNvSpPr>
-          <p:nvPr>
-            <p:ph type="sldNum" idx="12"/>
-          </p:nvPr>
-        </p:nvSpPr>
-        <p:spPr/>
-        <p:txBody>
-          <a:bodyPr/>
-          <a:lstStyle/>
-          <a:p>
-            <a:pPr marL="0" lvl="0" indent="0" algn="r" rtl="0">
-              <a:spcBef>
-                <a:spcPts val="0"/>
-              </a:spcBef>
-              <a:spcAft>
-                <a:spcPts val="0"/>
-              </a:spcAft>
-              <a:buNone/>
-            </a:pPr>
-            <a:fld id="{00000000-1234-1234-1234-123412341234}" type="slidenum">
-              <a:rPr lang="it-IT" smtClean="0"/>
-              <a:t>29</a:t>
-            </a:fld>
-            <a:endParaRPr lang="it-IT"/>
-          </a:p>
-        </p:txBody>
-      </p:sp>
-      <p:pic>
-        <p:nvPicPr>
-          <p:cNvPr id="8" name="Picture 7">
-            <a:extLst>
-              <a:ext uri="{FF2B5EF4-FFF2-40B4-BE49-F238E27FC236}">
-                <a16:creationId xmlns:a16="http://schemas.microsoft.com/office/drawing/2014/main" id="{AECB3DF2-6F52-F5B5-EF83-9DA91CEE5184}"/>
-              </a:ext>
-            </a:extLst>
-          </p:cNvPr>
-          <p:cNvPicPr>
-            <a:picLocks noChangeAspect="1"/>
-          </p:cNvPicPr>
-          <p:nvPr/>
-        </p:nvPicPr>
-        <p:blipFill>
-          <a:blip r:embed="rId2"/>
-          <a:stretch>
-            <a:fillRect/>
-          </a:stretch>
-        </p:blipFill>
-        <p:spPr>
-          <a:xfrm>
-            <a:off x="1981200" y="1328406"/>
-            <a:ext cx="4114800" cy="5314950"/>
-          </a:xfrm>
-          <a:prstGeom prst="rect">
-            <a:avLst/>
-          </a:prstGeom>
-        </p:spPr>
-      </p:pic>
-    </p:spTree>
-    <p:extLst>
-      <p:ext uri="{BB962C8B-B14F-4D97-AF65-F5344CB8AC3E}">
-        <p14:creationId xmlns:p14="http://schemas.microsoft.com/office/powerpoint/2010/main" val="398100264"/>
       </p:ext>
     </p:extLst>
   </p:cSld>
@@ -26255,6 +26581,148 @@
           <p:cNvPr id="2" name="Title 1">
             <a:extLst>
               <a:ext uri="{FF2B5EF4-FFF2-40B4-BE49-F238E27FC236}">
+                <a16:creationId xmlns:a16="http://schemas.microsoft.com/office/drawing/2014/main" id="{22B0DFDE-6FDD-7CD7-A00C-25B2AB409981}"/>
+              </a:ext>
+            </a:extLst>
+          </p:cNvPr>
+          <p:cNvSpPr>
+            <a:spLocks noGrp="1"/>
+          </p:cNvSpPr>
+          <p:nvPr>
+            <p:ph type="title"/>
+          </p:nvPr>
+        </p:nvSpPr>
+        <p:spPr/>
+        <p:txBody>
+          <a:bodyPr>
+            <a:normAutofit/>
+          </a:bodyPr>
+          <a:lstStyle/>
+          <a:p>
+            <a:br>
+              <a:rPr lang="en-US" sz="1800" b="0" i="0" u="none" strike="noStrike" baseline="0" dirty="0">
+                <a:solidFill>
+                  <a:srgbClr val="000000"/>
+                </a:solidFill>
+                <a:latin typeface="Trebuchet MS" panose="020B0603020202020204" pitchFamily="34" charset="0"/>
+              </a:rPr>
+            </a:br>
+            <a:r>
+              <a:rPr lang="it-IT" sz="1800" b="0" i="0" u="none" strike="noStrike" baseline="0" dirty="0">
+                <a:solidFill>
+                  <a:srgbClr val="0E6EC5"/>
+                </a:solidFill>
+                <a:latin typeface="Trebuchet MS" panose="020B0603020202020204" pitchFamily="34" charset="0"/>
+              </a:rPr>
+              <a:t>S.O.L.I.D. –I cinque principi</a:t>
+            </a:r>
+            <a:endParaRPr lang="en-US" dirty="0"/>
+          </a:p>
+        </p:txBody>
+      </p:sp>
+      <p:sp>
+        <p:nvSpPr>
+          <p:cNvPr id="4" name="Slide Number Placeholder 3">
+            <a:extLst>
+              <a:ext uri="{FF2B5EF4-FFF2-40B4-BE49-F238E27FC236}">
+                <a16:creationId xmlns:a16="http://schemas.microsoft.com/office/drawing/2014/main" id="{74DEB245-EA7D-0AC0-6FE9-9A827240F55B}"/>
+              </a:ext>
+            </a:extLst>
+          </p:cNvPr>
+          <p:cNvSpPr>
+            <a:spLocks noGrp="1"/>
+          </p:cNvSpPr>
+          <p:nvPr>
+            <p:ph type="sldNum" idx="12"/>
+          </p:nvPr>
+        </p:nvSpPr>
+        <p:spPr/>
+        <p:txBody>
+          <a:bodyPr/>
+          <a:lstStyle/>
+          <a:p>
+            <a:pPr marL="0" lvl="0" indent="0" algn="r" rtl="0">
+              <a:spcBef>
+                <a:spcPts val="0"/>
+              </a:spcBef>
+              <a:spcAft>
+                <a:spcPts val="0"/>
+              </a:spcAft>
+              <a:buNone/>
+            </a:pPr>
+            <a:fld id="{00000000-1234-1234-1234-123412341234}" type="slidenum">
+              <a:rPr lang="it-IT" smtClean="0"/>
+              <a:t>30</a:t>
+            </a:fld>
+            <a:endParaRPr lang="it-IT"/>
+          </a:p>
+        </p:txBody>
+      </p:sp>
+      <p:pic>
+        <p:nvPicPr>
+          <p:cNvPr id="8" name="Picture 7">
+            <a:extLst>
+              <a:ext uri="{FF2B5EF4-FFF2-40B4-BE49-F238E27FC236}">
+                <a16:creationId xmlns:a16="http://schemas.microsoft.com/office/drawing/2014/main" id="{AECB3DF2-6F52-F5B5-EF83-9DA91CEE5184}"/>
+              </a:ext>
+            </a:extLst>
+          </p:cNvPr>
+          <p:cNvPicPr>
+            <a:picLocks noChangeAspect="1"/>
+          </p:cNvPicPr>
+          <p:nvPr/>
+        </p:nvPicPr>
+        <p:blipFill>
+          <a:blip r:embed="rId2"/>
+          <a:stretch>
+            <a:fillRect/>
+          </a:stretch>
+        </p:blipFill>
+        <p:spPr>
+          <a:xfrm>
+            <a:off x="1981200" y="1328406"/>
+            <a:ext cx="4114800" cy="5314950"/>
+          </a:xfrm>
+          <a:prstGeom prst="rect">
+            <a:avLst/>
+          </a:prstGeom>
+        </p:spPr>
+      </p:pic>
+    </p:spTree>
+    <p:extLst>
+      <p:ext uri="{BB962C8B-B14F-4D97-AF65-F5344CB8AC3E}">
+        <p14:creationId xmlns:p14="http://schemas.microsoft.com/office/powerpoint/2010/main" val="398100264"/>
+      </p:ext>
+    </p:extLst>
+  </p:cSld>
+  <p:clrMapOvr>
+    <a:masterClrMapping/>
+  </p:clrMapOvr>
+</p:sld>
+</file>
+
+<file path=ppt/slides/slide31.xml><?xml version="1.0" encoding="utf-8"?>
+<p:sld xmlns:a="http://schemas.openxmlformats.org/drawingml/2006/main" xmlns:r="http://schemas.openxmlformats.org/officeDocument/2006/relationships" xmlns:p="http://schemas.openxmlformats.org/presentationml/2006/main">
+  <p:cSld>
+    <p:spTree>
+      <p:nvGrpSpPr>
+        <p:cNvPr id="1" name=""/>
+        <p:cNvGrpSpPr/>
+        <p:nvPr/>
+      </p:nvGrpSpPr>
+      <p:grpSpPr>
+        <a:xfrm>
+          <a:off x="0" y="0"/>
+          <a:ext cx="0" cy="0"/>
+          <a:chOff x="0" y="0"/>
+          <a:chExt cx="0" cy="0"/>
+        </a:xfrm>
+      </p:grpSpPr>
+      <p:sp>
+        <p:nvSpPr>
+          <p:cNvPr id="2" name="Title 1">
+            <a:extLst>
+              <a:ext uri="{FF2B5EF4-FFF2-40B4-BE49-F238E27FC236}">
                 <a16:creationId xmlns:a16="http://schemas.microsoft.com/office/drawing/2014/main" id="{91493A8A-5A56-1D8B-AE84-66E838D4CA57}"/>
               </a:ext>
             </a:extLst>
@@ -26324,7 +26792,7 @@
             </a:pPr>
             <a:fld id="{00000000-1234-1234-1234-123412341234}" type="slidenum">
               <a:rPr lang="it-IT" smtClean="0"/>
-              <a:t>30</a:t>
+              <a:t>31</a:t>
             </a:fld>
             <a:endParaRPr lang="it-IT"/>
           </a:p>
@@ -27294,7 +27762,7 @@
 </p:sld>
 </file>
 
-<file path=ppt/slides/slide31.xml><?xml version="1.0" encoding="utf-8"?>
+<file path=ppt/slides/slide32.xml><?xml version="1.0" encoding="utf-8"?>
 <p:sld xmlns:a="http://schemas.openxmlformats.org/drawingml/2006/main" xmlns:r="http://schemas.openxmlformats.org/officeDocument/2006/relationships" xmlns:p="http://schemas.openxmlformats.org/presentationml/2006/main">
   <p:cSld>
     <p:spTree>
@@ -27398,7 +27866,7 @@
             </a:pPr>
             <a:fld id="{00000000-1234-1234-1234-123412341234}" type="slidenum">
               <a:rPr lang="it-IT" smtClean="0"/>
-              <a:t>31</a:t>
+              <a:t>32</a:t>
             </a:fld>
             <a:endParaRPr lang="it-IT"/>
           </a:p>
@@ -27417,7 +27885,7 @@
 </p:sld>
 </file>
 
-<file path=ppt/slides/slide32.xml><?xml version="1.0" encoding="utf-8"?>
+<file path=ppt/slides/slide33.xml><?xml version="1.0" encoding="utf-8"?>
 <p:sld xmlns:a="http://schemas.openxmlformats.org/drawingml/2006/main" xmlns:r="http://schemas.openxmlformats.org/officeDocument/2006/relationships" xmlns:p="http://schemas.openxmlformats.org/presentationml/2006/main">
   <p:cSld>
     <p:spTree>
@@ -27578,7 +28046,7 @@
             </a:pPr>
             <a:fld id="{00000000-1234-1234-1234-123412341234}" type="slidenum">
               <a:rPr lang="it-IT" smtClean="0"/>
-              <a:t>32</a:t>
+              <a:t>33</a:t>
             </a:fld>
             <a:endParaRPr lang="it-IT"/>
           </a:p>
@@ -27597,7 +28065,7 @@
 </p:sld>
 </file>
 
-<file path=ppt/slides/slide33.xml><?xml version="1.0" encoding="utf-8"?>
+<file path=ppt/slides/slide34.xml><?xml version="1.0" encoding="utf-8"?>
 <p:sld xmlns:a="http://schemas.openxmlformats.org/drawingml/2006/main" xmlns:r="http://schemas.openxmlformats.org/officeDocument/2006/relationships" xmlns:p="http://schemas.openxmlformats.org/presentationml/2006/main">
   <p:cSld>
     <p:spTree>
@@ -27810,7 +28278,7 @@
             </a:pPr>
             <a:fld id="{00000000-1234-1234-1234-123412341234}" type="slidenum">
               <a:rPr lang="it-IT" smtClean="0"/>
-              <a:t>33</a:t>
+              <a:t>34</a:t>
             </a:fld>
             <a:endParaRPr lang="it-IT"/>
           </a:p>
@@ -27829,7 +28297,7 @@
 </p:sld>
 </file>
 
-<file path=ppt/slides/slide34.xml><?xml version="1.0" encoding="utf-8"?>
+<file path=ppt/slides/slide35.xml><?xml version="1.0" encoding="utf-8"?>
 <p:sld xmlns:a="http://schemas.openxmlformats.org/drawingml/2006/main" xmlns:r="http://schemas.openxmlformats.org/officeDocument/2006/relationships" xmlns:p="http://schemas.openxmlformats.org/presentationml/2006/main">
   <p:cSld>
     <p:spTree>
@@ -27985,7 +28453,7 @@
             </a:pPr>
             <a:fld id="{00000000-1234-1234-1234-123412341234}" type="slidenum">
               <a:rPr lang="it-IT" smtClean="0"/>
-              <a:t>34</a:t>
+              <a:t>35</a:t>
             </a:fld>
             <a:endParaRPr lang="it-IT"/>
           </a:p>
@@ -28034,7 +28502,7 @@
 </p:sld>
 </file>
 
-<file path=ppt/slides/slide35.xml><?xml version="1.0" encoding="utf-8"?>
+<file path=ppt/slides/slide36.xml><?xml version="1.0" encoding="utf-8"?>
 <p:sld xmlns:a="http://schemas.openxmlformats.org/drawingml/2006/main" xmlns:r="http://schemas.openxmlformats.org/officeDocument/2006/relationships" xmlns:p="http://schemas.openxmlformats.org/presentationml/2006/main">
   <p:cSld>
     <p:spTree>
@@ -28298,7 +28766,7 @@
             </a:pPr>
             <a:fld id="{00000000-1234-1234-1234-123412341234}" type="slidenum">
               <a:rPr lang="it-IT" smtClean="0"/>
-              <a:t>35</a:t>
+              <a:t>36</a:t>
             </a:fld>
             <a:endParaRPr lang="it-IT"/>
           </a:p>
@@ -28317,7 +28785,7 @@
 </p:sld>
 </file>
 
-<file path=ppt/slides/slide36.xml><?xml version="1.0" encoding="utf-8"?>
+<file path=ppt/slides/slide37.xml><?xml version="1.0" encoding="utf-8"?>
 <p:sld xmlns:a="http://schemas.openxmlformats.org/drawingml/2006/main" xmlns:r="http://schemas.openxmlformats.org/officeDocument/2006/relationships" xmlns:p="http://schemas.openxmlformats.org/presentationml/2006/main">
   <p:cSld>
     <p:spTree>
@@ -28540,7 +29008,7 @@
             </a:pPr>
             <a:fld id="{00000000-1234-1234-1234-123412341234}" type="slidenum">
               <a:rPr lang="it-IT" smtClean="0"/>
-              <a:t>36</a:t>
+              <a:t>37</a:t>
             </a:fld>
             <a:endParaRPr lang="it-IT"/>
           </a:p>
@@ -28559,7 +29027,7 @@
 </p:sld>
 </file>
 
-<file path=ppt/slides/slide37.xml><?xml version="1.0" encoding="utf-8"?>
+<file path=ppt/slides/slide38.xml><?xml version="1.0" encoding="utf-8"?>
 <p:sld xmlns:a="http://schemas.openxmlformats.org/drawingml/2006/main" xmlns:r="http://schemas.openxmlformats.org/officeDocument/2006/relationships" xmlns:p="http://schemas.openxmlformats.org/presentationml/2006/main">
   <p:cSld>
     <p:spTree>
@@ -28637,7 +29105,7 @@
             </a:pPr>
             <a:fld id="{00000000-1234-1234-1234-123412341234}" type="slidenum">
               <a:rPr lang="it-IT" smtClean="0"/>
-              <a:t>37</a:t>
+              <a:t>38</a:t>
             </a:fld>
             <a:endParaRPr lang="it-IT"/>
           </a:p>
@@ -28776,7 +29244,7 @@
 </p:sld>
 </file>
 
-<file path=ppt/slides/slide38.xml><?xml version="1.0" encoding="utf-8"?>
+<file path=ppt/slides/slide39.xml><?xml version="1.0" encoding="utf-8"?>
 <p:sld xmlns:a="http://schemas.openxmlformats.org/drawingml/2006/main" xmlns:r="http://schemas.openxmlformats.org/officeDocument/2006/relationships" xmlns:p="http://schemas.openxmlformats.org/presentationml/2006/main">
   <p:cSld>
     <p:spTree>
@@ -29049,7 +29517,7 @@
             </a:pPr>
             <a:fld id="{00000000-1234-1234-1234-123412341234}" type="slidenum">
               <a:rPr lang="it-IT" smtClean="0"/>
-              <a:t>38</a:t>
+              <a:t>39</a:t>
             </a:fld>
             <a:endParaRPr lang="it-IT"/>
           </a:p>
@@ -29059,323 +29527,6 @@
     <p:extLst>
       <p:ext uri="{BB962C8B-B14F-4D97-AF65-F5344CB8AC3E}">
         <p14:creationId xmlns:p14="http://schemas.microsoft.com/office/powerpoint/2010/main" val="4173768597"/>
-      </p:ext>
-    </p:extLst>
-  </p:cSld>
-  <p:clrMapOvr>
-    <a:masterClrMapping/>
-  </p:clrMapOvr>
-</p:sld>
-</file>
-
-<file path=ppt/slides/slide39.xml><?xml version="1.0" encoding="utf-8"?>
-<p:sld xmlns:a="http://schemas.openxmlformats.org/drawingml/2006/main" xmlns:r="http://schemas.openxmlformats.org/officeDocument/2006/relationships" xmlns:p="http://schemas.openxmlformats.org/presentationml/2006/main">
-  <p:cSld>
-    <p:spTree>
-      <p:nvGrpSpPr>
-        <p:cNvPr id="1" name=""/>
-        <p:cNvGrpSpPr/>
-        <p:nvPr/>
-      </p:nvGrpSpPr>
-      <p:grpSpPr>
-        <a:xfrm>
-          <a:off x="0" y="0"/>
-          <a:ext cx="0" cy="0"/>
-          <a:chOff x="0" y="0"/>
-          <a:chExt cx="0" cy="0"/>
-        </a:xfrm>
-      </p:grpSpPr>
-      <p:sp>
-        <p:nvSpPr>
-          <p:cNvPr id="2" name="Title 1">
-            <a:extLst>
-              <a:ext uri="{FF2B5EF4-FFF2-40B4-BE49-F238E27FC236}">
-                <a16:creationId xmlns:a16="http://schemas.microsoft.com/office/drawing/2014/main" id="{1C998916-B632-A196-82AA-90BC487B8387}"/>
-              </a:ext>
-            </a:extLst>
-          </p:cNvPr>
-          <p:cNvSpPr>
-            <a:spLocks noGrp="1"/>
-          </p:cNvSpPr>
-          <p:nvPr>
-            <p:ph type="title"/>
-          </p:nvPr>
-        </p:nvSpPr>
-        <p:spPr/>
-        <p:txBody>
-          <a:bodyPr/>
-          <a:lstStyle/>
-          <a:p>
-            <a:r>
-              <a:rPr lang="it-IT" dirty="0"/>
-              <a:t>Self-Hosting</a:t>
-            </a:r>
-            <a:endParaRPr lang="en-US" dirty="0"/>
-          </a:p>
-        </p:txBody>
-      </p:sp>
-      <p:sp>
-        <p:nvSpPr>
-          <p:cNvPr id="3" name="Text Placeholder 2">
-            <a:extLst>
-              <a:ext uri="{FF2B5EF4-FFF2-40B4-BE49-F238E27FC236}">
-                <a16:creationId xmlns:a16="http://schemas.microsoft.com/office/drawing/2014/main" id="{95228ED5-B897-51D2-4A3E-D620426E72F6}"/>
-              </a:ext>
-            </a:extLst>
-          </p:cNvPr>
-          <p:cNvSpPr>
-            <a:spLocks noGrp="1"/>
-          </p:cNvSpPr>
-          <p:nvPr>
-            <p:ph type="body" idx="1"/>
-          </p:nvPr>
-        </p:nvSpPr>
-        <p:spPr/>
-        <p:txBody>
-          <a:bodyPr>
-            <a:normAutofit fontScale="55000" lnSpcReduction="20000"/>
-          </a:bodyPr>
-          <a:lstStyle/>
-          <a:p>
-            <a:pPr marL="342900" lvl="0" indent="-342900">
-              <a:lnSpc>
-                <a:spcPct val="150000"/>
-              </a:lnSpc>
-              <a:spcBef>
-                <a:spcPts val="0"/>
-              </a:spcBef>
-              <a:buSzPts val="1920"/>
-            </a:pPr>
-            <a:r>
-              <a:rPr lang="it-IT" sz="2400" dirty="0"/>
-              <a:t>Un </a:t>
-            </a:r>
-            <a:r>
-              <a:rPr lang="it-IT" sz="2400" dirty="0" err="1"/>
-              <a:t>host</a:t>
-            </a:r>
-            <a:r>
-              <a:rPr lang="it-IT" sz="2400" dirty="0"/>
-              <a:t> è un oggetto che incapsula le risorse di </a:t>
-            </a:r>
-            <a:r>
-              <a:rPr lang="it-IT" sz="2400" dirty="0" err="1"/>
-              <a:t>un'app</a:t>
-            </a:r>
-            <a:r>
-              <a:rPr lang="it-IT" sz="2400" dirty="0"/>
-              <a:t>, ad esempio:</a:t>
-            </a:r>
-          </a:p>
-          <a:p>
-            <a:pPr marL="800100" lvl="1" indent="-342900">
-              <a:lnSpc>
-                <a:spcPct val="150000"/>
-              </a:lnSpc>
-              <a:spcBef>
-                <a:spcPts val="0"/>
-              </a:spcBef>
-              <a:buSzPts val="1920"/>
-            </a:pPr>
-            <a:r>
-              <a:rPr lang="it-IT" sz="2200" dirty="0"/>
-              <a:t>Inserimento di dipendenze (DI) </a:t>
-            </a:r>
-          </a:p>
-          <a:p>
-            <a:pPr marL="800100" lvl="1" indent="-342900">
-              <a:lnSpc>
-                <a:spcPct val="150000"/>
-              </a:lnSpc>
-              <a:spcBef>
-                <a:spcPts val="0"/>
-              </a:spcBef>
-              <a:buSzPts val="1920"/>
-            </a:pPr>
-            <a:r>
-              <a:rPr lang="it-IT" sz="2200" dirty="0"/>
-              <a:t>Registrazione</a:t>
-            </a:r>
-          </a:p>
-          <a:p>
-            <a:pPr marL="800100" lvl="1" indent="-342900">
-              <a:lnSpc>
-                <a:spcPct val="150000"/>
-              </a:lnSpc>
-              <a:spcBef>
-                <a:spcPts val="0"/>
-              </a:spcBef>
-              <a:buSzPts val="1920"/>
-            </a:pPr>
-            <a:r>
-              <a:rPr lang="it-IT" sz="2200" dirty="0"/>
-              <a:t>Configurazione</a:t>
-            </a:r>
-          </a:p>
-          <a:p>
-            <a:pPr marL="800100" lvl="1" indent="-342900">
-              <a:lnSpc>
-                <a:spcPct val="150000"/>
-              </a:lnSpc>
-              <a:spcBef>
-                <a:spcPts val="0"/>
-              </a:spcBef>
-              <a:buSzPts val="1920"/>
-            </a:pPr>
-            <a:r>
-              <a:rPr lang="it-IT" sz="2200" dirty="0" err="1"/>
-              <a:t>IHostedService</a:t>
-            </a:r>
-            <a:r>
-              <a:rPr lang="it-IT" sz="2200" dirty="0"/>
-              <a:t> Implementazioni</a:t>
-            </a:r>
-          </a:p>
-          <a:p>
-            <a:pPr marL="800100" lvl="1" indent="-342900">
-              <a:lnSpc>
-                <a:spcPct val="150000"/>
-              </a:lnSpc>
-              <a:spcBef>
-                <a:spcPts val="0"/>
-              </a:spcBef>
-              <a:buSzPts val="1920"/>
-            </a:pPr>
-            <a:endParaRPr lang="it-IT" sz="2200" dirty="0"/>
-          </a:p>
-          <a:p>
-            <a:pPr marL="342900" lvl="0" indent="-342900">
-              <a:lnSpc>
-                <a:spcPct val="150000"/>
-              </a:lnSpc>
-              <a:spcBef>
-                <a:spcPts val="0"/>
-              </a:spcBef>
-              <a:buSzPts val="1920"/>
-            </a:pPr>
-            <a:r>
-              <a:rPr lang="it-IT" sz="2400" dirty="0"/>
-              <a:t>All'avvio, un </a:t>
-            </a:r>
-            <a:r>
-              <a:rPr lang="it-IT" sz="2400" dirty="0" err="1"/>
-              <a:t>host</a:t>
-            </a:r>
-            <a:r>
-              <a:rPr lang="it-IT" sz="2400" dirty="0"/>
-              <a:t> chiama su ogni implementazione di registrata nella raccolta di servizi ospitati del </a:t>
-            </a:r>
-            <a:r>
-              <a:rPr lang="it-IT" sz="2400" dirty="0" err="1"/>
-              <a:t>IHostedService.StartAsync</a:t>
-            </a:r>
-            <a:r>
-              <a:rPr lang="it-IT" sz="2400" dirty="0"/>
-              <a:t> </a:t>
-            </a:r>
-            <a:r>
-              <a:rPr lang="it-IT" sz="2400" dirty="0" err="1"/>
-              <a:t>IHostedService</a:t>
-            </a:r>
-            <a:r>
-              <a:rPr lang="it-IT" sz="2400" dirty="0"/>
-              <a:t> contenitore del servizio. In </a:t>
-            </a:r>
-            <a:r>
-              <a:rPr lang="it-IT" sz="2400" dirty="0" err="1"/>
-              <a:t>un'app</a:t>
-            </a:r>
-            <a:r>
-              <a:rPr lang="it-IT" sz="2400" dirty="0"/>
-              <a:t> Web, una delle implementazioni di </a:t>
-            </a:r>
-            <a:r>
-              <a:rPr lang="it-IT" sz="2400" dirty="0" err="1"/>
-              <a:t>IHostedService</a:t>
-            </a:r>
-            <a:r>
-              <a:rPr lang="it-IT" sz="2400" dirty="0"/>
-              <a:t> è un servizio web che avvia un'implementazione del server HTTP.</a:t>
-            </a:r>
-          </a:p>
-          <a:p>
-            <a:pPr marL="342900" lvl="0" indent="-342900">
-              <a:lnSpc>
-                <a:spcPct val="150000"/>
-              </a:lnSpc>
-              <a:spcBef>
-                <a:spcPts val="0"/>
-              </a:spcBef>
-              <a:buSzPts val="1920"/>
-            </a:pPr>
-            <a:endParaRPr lang="it-IT" sz="2400" dirty="0"/>
-          </a:p>
-          <a:p>
-            <a:pPr marL="342900" lvl="0" indent="-342900">
-              <a:lnSpc>
-                <a:spcPct val="150000"/>
-              </a:lnSpc>
-              <a:spcBef>
-                <a:spcPts val="0"/>
-              </a:spcBef>
-              <a:buSzPts val="1920"/>
-            </a:pPr>
-            <a:r>
-              <a:rPr lang="it-IT" sz="2400" dirty="0"/>
-              <a:t>Il motivo principale per cui tutte le risorse interdipendenti dell'app sono incluse in un unico oggetto è la gestione del ciclo di vita, vale a dire il controllo sull'avvio dell'app e sull'arresto normale.</a:t>
-            </a:r>
-            <a:endParaRPr lang="it-IT" dirty="0"/>
-          </a:p>
-          <a:p>
-            <a:pPr marL="137160" indent="0">
-              <a:buNone/>
-            </a:pPr>
-            <a:endParaRPr lang="en-US" dirty="0"/>
-          </a:p>
-        </p:txBody>
-      </p:sp>
-      <p:sp>
-        <p:nvSpPr>
-          <p:cNvPr id="4" name="Slide Number Placeholder 3">
-            <a:extLst>
-              <a:ext uri="{FF2B5EF4-FFF2-40B4-BE49-F238E27FC236}">
-                <a16:creationId xmlns:a16="http://schemas.microsoft.com/office/drawing/2014/main" id="{0DF8BF8D-7987-3B37-9BC4-5AC2E51F9AE3}"/>
-              </a:ext>
-            </a:extLst>
-          </p:cNvPr>
-          <p:cNvSpPr>
-            <a:spLocks noGrp="1"/>
-          </p:cNvSpPr>
-          <p:nvPr>
-            <p:ph type="sldNum" idx="12"/>
-          </p:nvPr>
-        </p:nvSpPr>
-        <p:spPr/>
-        <p:txBody>
-          <a:bodyPr/>
-          <a:lstStyle/>
-          <a:p>
-            <a:pPr marL="0" lvl="0" indent="0" algn="r" rtl="0">
-              <a:spcBef>
-                <a:spcPts val="0"/>
-              </a:spcBef>
-              <a:spcAft>
-                <a:spcPts val="0"/>
-              </a:spcAft>
-              <a:buNone/>
-            </a:pPr>
-            <a:fld id="{00000000-1234-1234-1234-123412341234}" type="slidenum">
-              <a:rPr lang="it-IT" smtClean="0"/>
-              <a:t>39</a:t>
-            </a:fld>
-            <a:endParaRPr lang="it-IT"/>
-          </a:p>
-        </p:txBody>
-      </p:sp>
-    </p:spTree>
-    <p:extLst>
-      <p:ext uri="{BB962C8B-B14F-4D97-AF65-F5344CB8AC3E}">
-        <p14:creationId xmlns:p14="http://schemas.microsoft.com/office/powerpoint/2010/main" val="1079691872"/>
       </p:ext>
     </p:extLst>
   </p:cSld>
@@ -29833,6 +29984,323 @@
           <p:cNvPr id="2" name="Title 1">
             <a:extLst>
               <a:ext uri="{FF2B5EF4-FFF2-40B4-BE49-F238E27FC236}">
+                <a16:creationId xmlns:a16="http://schemas.microsoft.com/office/drawing/2014/main" id="{1C998916-B632-A196-82AA-90BC487B8387}"/>
+              </a:ext>
+            </a:extLst>
+          </p:cNvPr>
+          <p:cNvSpPr>
+            <a:spLocks noGrp="1"/>
+          </p:cNvSpPr>
+          <p:nvPr>
+            <p:ph type="title"/>
+          </p:nvPr>
+        </p:nvSpPr>
+        <p:spPr/>
+        <p:txBody>
+          <a:bodyPr/>
+          <a:lstStyle/>
+          <a:p>
+            <a:r>
+              <a:rPr lang="it-IT" dirty="0"/>
+              <a:t>Self-Hosting</a:t>
+            </a:r>
+            <a:endParaRPr lang="en-US" dirty="0"/>
+          </a:p>
+        </p:txBody>
+      </p:sp>
+      <p:sp>
+        <p:nvSpPr>
+          <p:cNvPr id="3" name="Text Placeholder 2">
+            <a:extLst>
+              <a:ext uri="{FF2B5EF4-FFF2-40B4-BE49-F238E27FC236}">
+                <a16:creationId xmlns:a16="http://schemas.microsoft.com/office/drawing/2014/main" id="{95228ED5-B897-51D2-4A3E-D620426E72F6}"/>
+              </a:ext>
+            </a:extLst>
+          </p:cNvPr>
+          <p:cNvSpPr>
+            <a:spLocks noGrp="1"/>
+          </p:cNvSpPr>
+          <p:nvPr>
+            <p:ph type="body" idx="1"/>
+          </p:nvPr>
+        </p:nvSpPr>
+        <p:spPr/>
+        <p:txBody>
+          <a:bodyPr>
+            <a:normAutofit fontScale="55000" lnSpcReduction="20000"/>
+          </a:bodyPr>
+          <a:lstStyle/>
+          <a:p>
+            <a:pPr marL="342900" lvl="0" indent="-342900">
+              <a:lnSpc>
+                <a:spcPct val="150000"/>
+              </a:lnSpc>
+              <a:spcBef>
+                <a:spcPts val="0"/>
+              </a:spcBef>
+              <a:buSzPts val="1920"/>
+            </a:pPr>
+            <a:r>
+              <a:rPr lang="it-IT" sz="2400" dirty="0"/>
+              <a:t>Un </a:t>
+            </a:r>
+            <a:r>
+              <a:rPr lang="it-IT" sz="2400" dirty="0" err="1"/>
+              <a:t>host</a:t>
+            </a:r>
+            <a:r>
+              <a:rPr lang="it-IT" sz="2400" dirty="0"/>
+              <a:t> è un oggetto che incapsula le risorse di </a:t>
+            </a:r>
+            <a:r>
+              <a:rPr lang="it-IT" sz="2400" dirty="0" err="1"/>
+              <a:t>un'app</a:t>
+            </a:r>
+            <a:r>
+              <a:rPr lang="it-IT" sz="2400" dirty="0"/>
+              <a:t>, ad esempio:</a:t>
+            </a:r>
+          </a:p>
+          <a:p>
+            <a:pPr marL="800100" lvl="1" indent="-342900">
+              <a:lnSpc>
+                <a:spcPct val="150000"/>
+              </a:lnSpc>
+              <a:spcBef>
+                <a:spcPts val="0"/>
+              </a:spcBef>
+              <a:buSzPts val="1920"/>
+            </a:pPr>
+            <a:r>
+              <a:rPr lang="it-IT" sz="2200" dirty="0"/>
+              <a:t>Inserimento di dipendenze (DI) </a:t>
+            </a:r>
+          </a:p>
+          <a:p>
+            <a:pPr marL="800100" lvl="1" indent="-342900">
+              <a:lnSpc>
+                <a:spcPct val="150000"/>
+              </a:lnSpc>
+              <a:spcBef>
+                <a:spcPts val="0"/>
+              </a:spcBef>
+              <a:buSzPts val="1920"/>
+            </a:pPr>
+            <a:r>
+              <a:rPr lang="it-IT" sz="2200" dirty="0"/>
+              <a:t>Registrazione</a:t>
+            </a:r>
+          </a:p>
+          <a:p>
+            <a:pPr marL="800100" lvl="1" indent="-342900">
+              <a:lnSpc>
+                <a:spcPct val="150000"/>
+              </a:lnSpc>
+              <a:spcBef>
+                <a:spcPts val="0"/>
+              </a:spcBef>
+              <a:buSzPts val="1920"/>
+            </a:pPr>
+            <a:r>
+              <a:rPr lang="it-IT" sz="2200" dirty="0"/>
+              <a:t>Configurazione</a:t>
+            </a:r>
+          </a:p>
+          <a:p>
+            <a:pPr marL="800100" lvl="1" indent="-342900">
+              <a:lnSpc>
+                <a:spcPct val="150000"/>
+              </a:lnSpc>
+              <a:spcBef>
+                <a:spcPts val="0"/>
+              </a:spcBef>
+              <a:buSzPts val="1920"/>
+            </a:pPr>
+            <a:r>
+              <a:rPr lang="it-IT" sz="2200" dirty="0" err="1"/>
+              <a:t>IHostedService</a:t>
+            </a:r>
+            <a:r>
+              <a:rPr lang="it-IT" sz="2200" dirty="0"/>
+              <a:t> Implementazioni</a:t>
+            </a:r>
+          </a:p>
+          <a:p>
+            <a:pPr marL="800100" lvl="1" indent="-342900">
+              <a:lnSpc>
+                <a:spcPct val="150000"/>
+              </a:lnSpc>
+              <a:spcBef>
+                <a:spcPts val="0"/>
+              </a:spcBef>
+              <a:buSzPts val="1920"/>
+            </a:pPr>
+            <a:endParaRPr lang="it-IT" sz="2200" dirty="0"/>
+          </a:p>
+          <a:p>
+            <a:pPr marL="342900" lvl="0" indent="-342900">
+              <a:lnSpc>
+                <a:spcPct val="150000"/>
+              </a:lnSpc>
+              <a:spcBef>
+                <a:spcPts val="0"/>
+              </a:spcBef>
+              <a:buSzPts val="1920"/>
+            </a:pPr>
+            <a:r>
+              <a:rPr lang="it-IT" sz="2400" dirty="0"/>
+              <a:t>All'avvio, un </a:t>
+            </a:r>
+            <a:r>
+              <a:rPr lang="it-IT" sz="2400" dirty="0" err="1"/>
+              <a:t>host</a:t>
+            </a:r>
+            <a:r>
+              <a:rPr lang="it-IT" sz="2400" dirty="0"/>
+              <a:t> chiama su ogni implementazione di registrata nella raccolta di servizi ospitati del </a:t>
+            </a:r>
+            <a:r>
+              <a:rPr lang="it-IT" sz="2400" dirty="0" err="1"/>
+              <a:t>IHostedService.StartAsync</a:t>
+            </a:r>
+            <a:r>
+              <a:rPr lang="it-IT" sz="2400" dirty="0"/>
+              <a:t> </a:t>
+            </a:r>
+            <a:r>
+              <a:rPr lang="it-IT" sz="2400" dirty="0" err="1"/>
+              <a:t>IHostedService</a:t>
+            </a:r>
+            <a:r>
+              <a:rPr lang="it-IT" sz="2400" dirty="0"/>
+              <a:t> contenitore del servizio. In </a:t>
+            </a:r>
+            <a:r>
+              <a:rPr lang="it-IT" sz="2400" dirty="0" err="1"/>
+              <a:t>un'app</a:t>
+            </a:r>
+            <a:r>
+              <a:rPr lang="it-IT" sz="2400" dirty="0"/>
+              <a:t> Web, una delle implementazioni di </a:t>
+            </a:r>
+            <a:r>
+              <a:rPr lang="it-IT" sz="2400" dirty="0" err="1"/>
+              <a:t>IHostedService</a:t>
+            </a:r>
+            <a:r>
+              <a:rPr lang="it-IT" sz="2400" dirty="0"/>
+              <a:t> è un servizio web che avvia un'implementazione del server HTTP.</a:t>
+            </a:r>
+          </a:p>
+          <a:p>
+            <a:pPr marL="342900" lvl="0" indent="-342900">
+              <a:lnSpc>
+                <a:spcPct val="150000"/>
+              </a:lnSpc>
+              <a:spcBef>
+                <a:spcPts val="0"/>
+              </a:spcBef>
+              <a:buSzPts val="1920"/>
+            </a:pPr>
+            <a:endParaRPr lang="it-IT" sz="2400" dirty="0"/>
+          </a:p>
+          <a:p>
+            <a:pPr marL="342900" lvl="0" indent="-342900">
+              <a:lnSpc>
+                <a:spcPct val="150000"/>
+              </a:lnSpc>
+              <a:spcBef>
+                <a:spcPts val="0"/>
+              </a:spcBef>
+              <a:buSzPts val="1920"/>
+            </a:pPr>
+            <a:r>
+              <a:rPr lang="it-IT" sz="2400" dirty="0"/>
+              <a:t>Il motivo principale per cui tutte le risorse interdipendenti dell'app sono incluse in un unico oggetto è la gestione del ciclo di vita, vale a dire il controllo sull'avvio dell'app e sull'arresto normale.</a:t>
+            </a:r>
+            <a:endParaRPr lang="it-IT" dirty="0"/>
+          </a:p>
+          <a:p>
+            <a:pPr marL="137160" indent="0">
+              <a:buNone/>
+            </a:pPr>
+            <a:endParaRPr lang="en-US" dirty="0"/>
+          </a:p>
+        </p:txBody>
+      </p:sp>
+      <p:sp>
+        <p:nvSpPr>
+          <p:cNvPr id="4" name="Slide Number Placeholder 3">
+            <a:extLst>
+              <a:ext uri="{FF2B5EF4-FFF2-40B4-BE49-F238E27FC236}">
+                <a16:creationId xmlns:a16="http://schemas.microsoft.com/office/drawing/2014/main" id="{0DF8BF8D-7987-3B37-9BC4-5AC2E51F9AE3}"/>
+              </a:ext>
+            </a:extLst>
+          </p:cNvPr>
+          <p:cNvSpPr>
+            <a:spLocks noGrp="1"/>
+          </p:cNvSpPr>
+          <p:nvPr>
+            <p:ph type="sldNum" idx="12"/>
+          </p:nvPr>
+        </p:nvSpPr>
+        <p:spPr/>
+        <p:txBody>
+          <a:bodyPr/>
+          <a:lstStyle/>
+          <a:p>
+            <a:pPr marL="0" lvl="0" indent="0" algn="r" rtl="0">
+              <a:spcBef>
+                <a:spcPts val="0"/>
+              </a:spcBef>
+              <a:spcAft>
+                <a:spcPts val="0"/>
+              </a:spcAft>
+              <a:buNone/>
+            </a:pPr>
+            <a:fld id="{00000000-1234-1234-1234-123412341234}" type="slidenum">
+              <a:rPr lang="it-IT" smtClean="0"/>
+              <a:t>40</a:t>
+            </a:fld>
+            <a:endParaRPr lang="it-IT"/>
+          </a:p>
+        </p:txBody>
+      </p:sp>
+    </p:spTree>
+    <p:extLst>
+      <p:ext uri="{BB962C8B-B14F-4D97-AF65-F5344CB8AC3E}">
+        <p14:creationId xmlns:p14="http://schemas.microsoft.com/office/powerpoint/2010/main" val="1079691872"/>
+      </p:ext>
+    </p:extLst>
+  </p:cSld>
+  <p:clrMapOvr>
+    <a:masterClrMapping/>
+  </p:clrMapOvr>
+</p:sld>
+</file>
+
+<file path=ppt/slides/slide41.xml><?xml version="1.0" encoding="utf-8"?>
+<p:sld xmlns:a="http://schemas.openxmlformats.org/drawingml/2006/main" xmlns:r="http://schemas.openxmlformats.org/officeDocument/2006/relationships" xmlns:p="http://schemas.openxmlformats.org/presentationml/2006/main">
+  <p:cSld>
+    <p:spTree>
+      <p:nvGrpSpPr>
+        <p:cNvPr id="1" name=""/>
+        <p:cNvGrpSpPr/>
+        <p:nvPr/>
+      </p:nvGrpSpPr>
+      <p:grpSpPr>
+        <a:xfrm>
+          <a:off x="0" y="0"/>
+          <a:ext cx="0" cy="0"/>
+          <a:chOff x="0" y="0"/>
+          <a:chExt cx="0" cy="0"/>
+        </a:xfrm>
+      </p:grpSpPr>
+      <p:sp>
+        <p:nvSpPr>
+          <p:cNvPr id="2" name="Title 1">
+            <a:extLst>
+              <a:ext uri="{FF2B5EF4-FFF2-40B4-BE49-F238E27FC236}">
                 <a16:creationId xmlns:a16="http://schemas.microsoft.com/office/drawing/2014/main" id="{3FE1F1B1-3C37-4EFD-5BD0-02AEA28C4B96}"/>
               </a:ext>
             </a:extLst>
@@ -30047,7 +30515,7 @@
             </a:pPr>
             <a:fld id="{00000000-1234-1234-1234-123412341234}" type="slidenum">
               <a:rPr lang="it-IT" smtClean="0"/>
-              <a:t>40</a:t>
+              <a:t>41</a:t>
             </a:fld>
             <a:endParaRPr lang="it-IT"/>
           </a:p>
@@ -30126,7 +30594,7 @@
 </p:sld>
 </file>
 
-<file path=ppt/slides/slide41.xml><?xml version="1.0" encoding="utf-8"?>
+<file path=ppt/slides/slide42.xml><?xml version="1.0" encoding="utf-8"?>
 <p:sld xmlns:a="http://schemas.openxmlformats.org/drawingml/2006/main" xmlns:r="http://schemas.openxmlformats.org/officeDocument/2006/relationships" xmlns:p="http://schemas.openxmlformats.org/presentationml/2006/main">
   <p:cSld>
     <p:spTree>
@@ -30312,7 +30780,7 @@
             </a:pPr>
             <a:fld id="{00000000-1234-1234-1234-123412341234}" type="slidenum">
               <a:rPr lang="it-IT" smtClean="0"/>
-              <a:t>41</a:t>
+              <a:t>42</a:t>
             </a:fld>
             <a:endParaRPr lang="it-IT"/>
           </a:p>
@@ -30331,7 +30799,7 @@
 </p:sld>
 </file>
 
-<file path=ppt/slides/slide42.xml><?xml version="1.0" encoding="utf-8"?>
+<file path=ppt/slides/slide43.xml><?xml version="1.0" encoding="utf-8"?>
 <p:sld xmlns:a="http://schemas.openxmlformats.org/drawingml/2006/main" xmlns:r="http://schemas.openxmlformats.org/officeDocument/2006/relationships" xmlns:p="http://schemas.openxmlformats.org/presentationml/2006/main">
   <p:cSld>
     <p:spTree>
@@ -30409,7 +30877,7 @@
             </a:pPr>
             <a:fld id="{00000000-1234-1234-1234-123412341234}" type="slidenum">
               <a:rPr lang="it-IT" smtClean="0"/>
-              <a:t>42</a:t>
+              <a:t>43</a:t>
             </a:fld>
             <a:endParaRPr lang="it-IT"/>
           </a:p>
@@ -30599,7 +31067,7 @@
 </p:sld>
 </file>
 
-<file path=ppt/slides/slide43.xml><?xml version="1.0" encoding="utf-8"?>
+<file path=ppt/slides/slide44.xml><?xml version="1.0" encoding="utf-8"?>
 <p:sld xmlns:a="http://schemas.openxmlformats.org/drawingml/2006/main" xmlns:r="http://schemas.openxmlformats.org/officeDocument/2006/relationships" xmlns:p="http://schemas.openxmlformats.org/presentationml/2006/main">
   <p:cSld>
     <p:spTree>
@@ -30737,7 +31205,7 @@
             </a:pPr>
             <a:fld id="{00000000-1234-1234-1234-123412341234}" type="slidenum">
               <a:rPr lang="it-IT" smtClean="0"/>
-              <a:t>43</a:t>
+              <a:t>44</a:t>
             </a:fld>
             <a:endParaRPr lang="it-IT"/>
           </a:p>
@@ -30846,7 +31314,7 @@
 </p:sld>
 </file>
 
-<file path=ppt/slides/slide44.xml><?xml version="1.0" encoding="utf-8"?>
+<file path=ppt/slides/slide45.xml><?xml version="1.0" encoding="utf-8"?>
 <p:sld xmlns:a="http://schemas.openxmlformats.org/drawingml/2006/main" xmlns:r="http://schemas.openxmlformats.org/officeDocument/2006/relationships" xmlns:p="http://schemas.openxmlformats.org/presentationml/2006/main">
   <p:cSld>
     <p:spTree>
@@ -30993,7 +31461,7 @@
                   <a:srgbClr val="0F6FC6"/>
                 </a:solidFill>
               </a:rPr>
-              <a:t>44</a:t>
+              <a:t>45</a:t>
             </a:fld>
             <a:endParaRPr>
               <a:solidFill>
